--- a/docs/DB.pptx
+++ b/docs/DB.pptx
@@ -6,6 +6,7 @@
   </p:sldMasterIdLst>
   <p:sldIdLst>
     <p:sldId id="256" r:id="rId2"/>
+    <p:sldId id="257" r:id="rId3"/>
   </p:sldIdLst>
   <p:sldSz cx="12192000" cy="6858000"/>
   <p:notesSz cx="6858000" cy="9144000"/>
@@ -104,6 +105,11 @@
       </a:defRPr>
     </a:lvl9pPr>
   </p:defaultTextStyle>
+  <p:extLst>
+    <p:ext uri="{EFAFB233-063F-42B5-8137-9DF3F51BA10A}">
+      <p15:sldGuideLst xmlns:p15="http://schemas.microsoft.com/office/powerpoint/2012/main"/>
+    </p:ext>
+  </p:extLst>
 </p:presentation>
 </file>
 
@@ -254,7 +260,7 @@
           <a:p>
             <a:fld id="{AA98146F-A428-084B-8749-E474526E1F85}" type="datetimeFigureOut">
               <a:rPr lang="en-US" smtClean="0"/>
-              <a:t>8/25/20</a:t>
+              <a:t>8/26/20</a:t>
             </a:fld>
             <a:endParaRPr lang="en-US"/>
           </a:p>
@@ -452,7 +458,7 @@
           <a:p>
             <a:fld id="{AA98146F-A428-084B-8749-E474526E1F85}" type="datetimeFigureOut">
               <a:rPr lang="en-US" smtClean="0"/>
-              <a:t>8/25/20</a:t>
+              <a:t>8/26/20</a:t>
             </a:fld>
             <a:endParaRPr lang="en-US"/>
           </a:p>
@@ -660,7 +666,7 @@
           <a:p>
             <a:fld id="{AA98146F-A428-084B-8749-E474526E1F85}" type="datetimeFigureOut">
               <a:rPr lang="en-US" smtClean="0"/>
-              <a:t>8/25/20</a:t>
+              <a:t>8/26/20</a:t>
             </a:fld>
             <a:endParaRPr lang="en-US"/>
           </a:p>
@@ -858,7 +864,7 @@
           <a:p>
             <a:fld id="{AA98146F-A428-084B-8749-E474526E1F85}" type="datetimeFigureOut">
               <a:rPr lang="en-US" smtClean="0"/>
-              <a:t>8/25/20</a:t>
+              <a:t>8/26/20</a:t>
             </a:fld>
             <a:endParaRPr lang="en-US"/>
           </a:p>
@@ -1133,7 +1139,7 @@
           <a:p>
             <a:fld id="{AA98146F-A428-084B-8749-E474526E1F85}" type="datetimeFigureOut">
               <a:rPr lang="en-US" smtClean="0"/>
-              <a:t>8/25/20</a:t>
+              <a:t>8/26/20</a:t>
             </a:fld>
             <a:endParaRPr lang="en-US"/>
           </a:p>
@@ -1398,7 +1404,7 @@
           <a:p>
             <a:fld id="{AA98146F-A428-084B-8749-E474526E1F85}" type="datetimeFigureOut">
               <a:rPr lang="en-US" smtClean="0"/>
-              <a:t>8/25/20</a:t>
+              <a:t>8/26/20</a:t>
             </a:fld>
             <a:endParaRPr lang="en-US"/>
           </a:p>
@@ -1810,7 +1816,7 @@
           <a:p>
             <a:fld id="{AA98146F-A428-084B-8749-E474526E1F85}" type="datetimeFigureOut">
               <a:rPr lang="en-US" smtClean="0"/>
-              <a:t>8/25/20</a:t>
+              <a:t>8/26/20</a:t>
             </a:fld>
             <a:endParaRPr lang="en-US"/>
           </a:p>
@@ -1951,7 +1957,7 @@
           <a:p>
             <a:fld id="{AA98146F-A428-084B-8749-E474526E1F85}" type="datetimeFigureOut">
               <a:rPr lang="en-US" smtClean="0"/>
-              <a:t>8/25/20</a:t>
+              <a:t>8/26/20</a:t>
             </a:fld>
             <a:endParaRPr lang="en-US"/>
           </a:p>
@@ -2064,7 +2070,7 @@
           <a:p>
             <a:fld id="{AA98146F-A428-084B-8749-E474526E1F85}" type="datetimeFigureOut">
               <a:rPr lang="en-US" smtClean="0"/>
-              <a:t>8/25/20</a:t>
+              <a:t>8/26/20</a:t>
             </a:fld>
             <a:endParaRPr lang="en-US"/>
           </a:p>
@@ -2375,7 +2381,7 @@
           <a:p>
             <a:fld id="{AA98146F-A428-084B-8749-E474526E1F85}" type="datetimeFigureOut">
               <a:rPr lang="en-US" smtClean="0"/>
-              <a:t>8/25/20</a:t>
+              <a:t>8/26/20</a:t>
             </a:fld>
             <a:endParaRPr lang="en-US"/>
           </a:p>
@@ -2663,7 +2669,7 @@
           <a:p>
             <a:fld id="{AA98146F-A428-084B-8749-E474526E1F85}" type="datetimeFigureOut">
               <a:rPr lang="en-US" smtClean="0"/>
-              <a:t>8/25/20</a:t>
+              <a:t>8/26/20</a:t>
             </a:fld>
             <a:endParaRPr lang="en-US"/>
           </a:p>
@@ -2904,7 +2910,7 @@
           <a:p>
             <a:fld id="{AA98146F-A428-084B-8749-E474526E1F85}" type="datetimeFigureOut">
               <a:rPr lang="en-US" smtClean="0"/>
-              <a:t>8/25/20</a:t>
+              <a:t>8/26/20</a:t>
             </a:fld>
             <a:endParaRPr lang="en-US"/>
           </a:p>
@@ -3336,7 +3342,7 @@
           <p:nvPr>
             <p:extLst>
               <p:ext uri="{D42A27DB-BD31-4B8C-83A1-F6EECF244321}">
-                <p14:modId xmlns:p14="http://schemas.microsoft.com/office/powerpoint/2010/main" val="2978557639"/>
+                <p14:modId xmlns:p14="http://schemas.microsoft.com/office/powerpoint/2010/main" val="1056906165"/>
               </p:ext>
             </p:extLst>
           </p:nvPr>
@@ -3430,7 +3436,7 @@
                     <a:lstStyle/>
                     <a:p>
                       <a:r>
-                        <a:rPr lang="en-US" dirty="0"/>
+                        <a:rPr lang="en-US" sz="1200" dirty="0"/>
                         <a:t>1</a:t>
                       </a:r>
                     </a:p>
@@ -3443,7 +3449,7 @@
                     <a:lstStyle/>
                     <a:p>
                       <a:r>
-                        <a:rPr lang="en-US" dirty="0"/>
+                        <a:rPr lang="en-US" sz="1200" dirty="0"/>
                         <a:t>Sunil</a:t>
                       </a:r>
                     </a:p>
@@ -3456,7 +3462,7 @@
                     <a:lstStyle/>
                     <a:p>
                       <a:r>
-                        <a:rPr lang="en-US" dirty="0"/>
+                        <a:rPr lang="en-US" sz="1200" dirty="0"/>
                         <a:t>1001</a:t>
                       </a:r>
                     </a:p>
@@ -3476,7 +3482,7 @@
                     <a:lstStyle/>
                     <a:p>
                       <a:r>
-                        <a:rPr lang="en-US" dirty="0"/>
+                        <a:rPr lang="en-US" sz="1200" dirty="0"/>
                         <a:t>2</a:t>
                       </a:r>
                     </a:p>
@@ -3489,7 +3495,7 @@
                     <a:lstStyle/>
                     <a:p>
                       <a:r>
-                        <a:rPr lang="en-US" dirty="0"/>
+                        <a:rPr lang="en-US" sz="1200" dirty="0"/>
                         <a:t>Dinesh</a:t>
                       </a:r>
                     </a:p>
@@ -3502,7 +3508,7 @@
                     <a:lstStyle/>
                     <a:p>
                       <a:r>
-                        <a:rPr lang="en-US" dirty="0"/>
+                        <a:rPr lang="en-US" sz="1200" dirty="0"/>
                         <a:t>1002</a:t>
                       </a:r>
                     </a:p>
@@ -3534,7 +3540,7 @@
           <p:nvPr>
             <p:extLst>
               <p:ext uri="{D42A27DB-BD31-4B8C-83A1-F6EECF244321}">
-                <p14:modId xmlns:p14="http://schemas.microsoft.com/office/powerpoint/2010/main" val="968313195"/>
+                <p14:modId xmlns:p14="http://schemas.microsoft.com/office/powerpoint/2010/main" val="2165833987"/>
               </p:ext>
             </p:extLst>
           </p:nvPr>
@@ -3607,7 +3613,7 @@
                     <a:lstStyle/>
                     <a:p>
                       <a:r>
-                        <a:rPr lang="en-US" dirty="0"/>
+                        <a:rPr lang="en-US" sz="1200" dirty="0"/>
                         <a:t>1</a:t>
                       </a:r>
                     </a:p>
@@ -3620,7 +3626,7 @@
                     <a:lstStyle/>
                     <a:p>
                       <a:r>
-                        <a:rPr lang="en-US" dirty="0"/>
+                        <a:rPr lang="en-US" sz="1200" dirty="0"/>
                         <a:t>Proj1.1</a:t>
                       </a:r>
                     </a:p>
@@ -3640,7 +3646,7 @@
                     <a:lstStyle/>
                     <a:p>
                       <a:r>
-                        <a:rPr lang="en-US" dirty="0"/>
+                        <a:rPr lang="en-US" sz="1200" dirty="0"/>
                         <a:t>2</a:t>
                       </a:r>
                     </a:p>
@@ -3653,7 +3659,7 @@
                     <a:lstStyle/>
                     <a:p>
                       <a:r>
-                        <a:rPr lang="en-US" dirty="0"/>
+                        <a:rPr lang="en-US" sz="1200" dirty="0"/>
                         <a:t>Proj2.1</a:t>
                       </a:r>
                     </a:p>
@@ -3685,7 +3691,7 @@
           <p:nvPr>
             <p:extLst>
               <p:ext uri="{D42A27DB-BD31-4B8C-83A1-F6EECF244321}">
-                <p14:modId xmlns:p14="http://schemas.microsoft.com/office/powerpoint/2010/main" val="1383711534"/>
+                <p14:modId xmlns:p14="http://schemas.microsoft.com/office/powerpoint/2010/main" val="2180194602"/>
               </p:ext>
             </p:extLst>
           </p:nvPr>
@@ -3758,7 +3764,7 @@
                     <a:lstStyle/>
                     <a:p>
                       <a:r>
-                        <a:rPr lang="en-US" dirty="0"/>
+                        <a:rPr lang="en-US" sz="1200" dirty="0"/>
                         <a:t>1</a:t>
                       </a:r>
                     </a:p>
@@ -3771,7 +3777,7 @@
                     <a:lstStyle/>
                     <a:p>
                       <a:r>
-                        <a:rPr lang="en-US" dirty="0"/>
+                        <a:rPr lang="en-US" sz="1200" dirty="0"/>
                         <a:t>Dept1</a:t>
                       </a:r>
                     </a:p>
@@ -3791,7 +3797,7 @@
                     <a:lstStyle/>
                     <a:p>
                       <a:r>
-                        <a:rPr lang="en-US" dirty="0"/>
+                        <a:rPr lang="en-US" sz="1200" dirty="0"/>
                         <a:t>2</a:t>
                       </a:r>
                     </a:p>
@@ -3804,7 +3810,7 @@
                     <a:lstStyle/>
                     <a:p>
                       <a:r>
-                        <a:rPr lang="en-US" dirty="0"/>
+                        <a:rPr lang="en-US" sz="1200" dirty="0"/>
                         <a:t>Dept2</a:t>
                       </a:r>
                     </a:p>
@@ -3836,7 +3842,7 @@
           <p:nvPr>
             <p:extLst>
               <p:ext uri="{D42A27DB-BD31-4B8C-83A1-F6EECF244321}">
-                <p14:modId xmlns:p14="http://schemas.microsoft.com/office/powerpoint/2010/main" val="2325543768"/>
+                <p14:modId xmlns:p14="http://schemas.microsoft.com/office/powerpoint/2010/main" val="2989244744"/>
               </p:ext>
             </p:extLst>
           </p:nvPr>
@@ -3938,7 +3944,7 @@
                     <a:lstStyle/>
                     <a:p>
                       <a:r>
-                        <a:rPr lang="en-US" dirty="0"/>
+                        <a:rPr lang="en-US" sz="1200" dirty="0"/>
                         <a:t>1</a:t>
                       </a:r>
                     </a:p>
@@ -3951,7 +3957,7 @@
                     <a:lstStyle/>
                     <a:p>
                       <a:r>
-                        <a:rPr lang="en-US" dirty="0"/>
+                        <a:rPr lang="en-US" sz="1200" dirty="0"/>
                         <a:t>Sunil</a:t>
                       </a:r>
                     </a:p>
@@ -3964,7 +3970,7 @@
                     <a:lstStyle/>
                     <a:p>
                       <a:r>
-                        <a:rPr lang="en-US" dirty="0"/>
+                        <a:rPr lang="en-US" sz="1200" dirty="0"/>
                         <a:t>1</a:t>
                       </a:r>
                     </a:p>
@@ -3984,7 +3990,7 @@
                     <a:lstStyle/>
                     <a:p>
                       <a:r>
-                        <a:rPr lang="en-US" dirty="0"/>
+                        <a:rPr lang="en-US" sz="1200" dirty="0"/>
                         <a:t>2</a:t>
                       </a:r>
                     </a:p>
@@ -3997,7 +4003,7 @@
                     <a:lstStyle/>
                     <a:p>
                       <a:r>
-                        <a:rPr lang="en-US" dirty="0"/>
+                        <a:rPr lang="en-US" sz="1200" dirty="0"/>
                         <a:t>Dinesh</a:t>
                       </a:r>
                     </a:p>
@@ -4010,7 +4016,7 @@
                     <a:lstStyle/>
                     <a:p>
                       <a:r>
-                        <a:rPr lang="en-US" dirty="0"/>
+                        <a:rPr lang="en-US" sz="1200" dirty="0"/>
                         <a:t>1</a:t>
                       </a:r>
                     </a:p>
@@ -4030,7 +4036,7 @@
                     <a:lstStyle/>
                     <a:p>
                       <a:r>
-                        <a:rPr lang="en-US" dirty="0"/>
+                        <a:rPr lang="en-US" sz="1200" dirty="0"/>
                         <a:t>1</a:t>
                       </a:r>
                     </a:p>
@@ -4043,7 +4049,7 @@
                     <a:lstStyle/>
                     <a:p>
                       <a:r>
-                        <a:rPr lang="en-US" dirty="0"/>
+                        <a:rPr lang="en-US" sz="1200" dirty="0"/>
                         <a:t>Sunil</a:t>
                       </a:r>
                     </a:p>
@@ -4056,7 +4062,7 @@
                     <a:lstStyle/>
                     <a:p>
                       <a:r>
-                        <a:rPr lang="en-US" dirty="0"/>
+                        <a:rPr lang="en-US" sz="1200" dirty="0"/>
                         <a:t>2</a:t>
                       </a:r>
                     </a:p>
@@ -4125,14 +4131,14 @@
           <p:nvPr>
             <p:extLst>
               <p:ext uri="{D42A27DB-BD31-4B8C-83A1-F6EECF244321}">
-                <p14:modId xmlns:p14="http://schemas.microsoft.com/office/powerpoint/2010/main" val="3831684313"/>
+                <p14:modId xmlns:p14="http://schemas.microsoft.com/office/powerpoint/2010/main" val="3157911738"/>
               </p:ext>
             </p:extLst>
           </p:nvPr>
         </p:nvGraphicFramePr>
         <p:xfrm>
           <a:off x="6096000" y="3826508"/>
-          <a:ext cx="5418666" cy="1112520"/>
+          <a:ext cx="5418666" cy="1483360"/>
         </p:xfrm>
         <a:graphic>
           <a:graphicData uri="http://schemas.openxmlformats.org/drawingml/2006/table">
@@ -4273,7 +4279,7 @@
                     <a:lstStyle/>
                     <a:p>
                       <a:r>
-                        <a:rPr lang="en-US" dirty="0"/>
+                        <a:rPr lang="en-US" sz="1200" dirty="0"/>
                         <a:t>2</a:t>
                       </a:r>
                     </a:p>
@@ -4286,7 +4292,7 @@
                     <a:lstStyle/>
                     <a:p>
                       <a:r>
-                        <a:rPr lang="en-US" dirty="0"/>
+                        <a:rPr lang="en-US" sz="1200" dirty="0"/>
                         <a:t>Dinesh</a:t>
                       </a:r>
                     </a:p>
@@ -4299,7 +4305,7 @@
                     <a:lstStyle/>
                     <a:p>
                       <a:r>
-                        <a:rPr lang="en-US" dirty="0"/>
+                        <a:rPr lang="en-US" sz="1200" dirty="0"/>
                         <a:t>Dept2</a:t>
                       </a:r>
                     </a:p>
@@ -4309,6 +4315,52 @@
                 <a:extLst>
                   <a:ext uri="{0D108BD9-81ED-4DB2-BD59-A6C34878D82A}">
                     <a16:rowId xmlns:a16="http://schemas.microsoft.com/office/drawing/2014/main" val="3413670960"/>
+                  </a:ext>
+                </a:extLst>
+              </a:tr>
+              <a:tr h="370840">
+                <a:tc>
+                  <a:txBody>
+                    <a:bodyPr/>
+                    <a:lstStyle/>
+                    <a:p>
+                      <a:r>
+                        <a:rPr lang="en-US" sz="1200" dirty="0"/>
+                        <a:t>1</a:t>
+                      </a:r>
+                    </a:p>
+                  </a:txBody>
+                  <a:tcPr/>
+                </a:tc>
+                <a:tc>
+                  <a:txBody>
+                    <a:bodyPr/>
+                    <a:lstStyle/>
+                    <a:p>
+                      <a:r>
+                        <a:rPr lang="en-US" sz="1200" dirty="0"/>
+                        <a:t>Sunil</a:t>
+                      </a:r>
+                    </a:p>
+                  </a:txBody>
+                  <a:tcPr/>
+                </a:tc>
+                <a:tc>
+                  <a:txBody>
+                    <a:bodyPr/>
+                    <a:lstStyle/>
+                    <a:p>
+                      <a:r>
+                        <a:rPr lang="en-US" sz="1200" dirty="0"/>
+                        <a:t>Dept2</a:t>
+                      </a:r>
+                    </a:p>
+                  </a:txBody>
+                  <a:tcPr/>
+                </a:tc>
+                <a:extLst>
+                  <a:ext uri="{0D108BD9-81ED-4DB2-BD59-A6C34878D82A}">
+                    <a16:rowId xmlns:a16="http://schemas.microsoft.com/office/drawing/2014/main" val="751536093"/>
                   </a:ext>
                 </a:extLst>
               </a:tr>
@@ -4413,7 +4465,7 @@
         <p:spPr>
           <a:xfrm>
             <a:off x="6392671" y="377952"/>
-            <a:ext cx="1044966" cy="369332"/>
+            <a:ext cx="759247" cy="276999"/>
           </a:xfrm>
           <a:prstGeom prst="rect">
             <a:avLst/>
@@ -4427,14 +4479,14 @@
           <a:lstStyle/>
           <a:p>
             <a:r>
-              <a:rPr lang="en-US" dirty="0"/>
+              <a:rPr lang="en-US" sz="1200" dirty="0"/>
               <a:t>Emp-</a:t>
             </a:r>
             <a:r>
-              <a:rPr lang="en-US" dirty="0" err="1"/>
+              <a:rPr lang="en-US" sz="1200" dirty="0" err="1"/>
               <a:t>Proj</a:t>
             </a:r>
-            <a:endParaRPr lang="en-US" dirty="0"/>
+            <a:endParaRPr lang="en-US" sz="1200" dirty="0"/>
           </a:p>
         </p:txBody>
       </p:sp>
@@ -4453,7 +4505,7 @@
         <p:spPr>
           <a:xfrm>
             <a:off x="6217920" y="3429000"/>
-            <a:ext cx="1129412" cy="369332"/>
+            <a:ext cx="812338" cy="276999"/>
           </a:xfrm>
           <a:prstGeom prst="rect">
             <a:avLst/>
@@ -4467,7 +4519,7 @@
           <a:lstStyle/>
           <a:p>
             <a:r>
-              <a:rPr lang="en-US" dirty="0"/>
+              <a:rPr lang="en-US" sz="1200" dirty="0"/>
               <a:t>Emp-Dept</a:t>
             </a:r>
           </a:p>
@@ -4488,7 +4540,7 @@
         <p:spPr>
           <a:xfrm>
             <a:off x="6278880" y="5193792"/>
-            <a:ext cx="1310743" cy="369332"/>
+            <a:ext cx="935384" cy="276999"/>
           </a:xfrm>
           <a:prstGeom prst="rect">
             <a:avLst/>
@@ -4502,7 +4554,7 @@
           <a:lstStyle/>
           <a:p>
             <a:r>
-              <a:rPr lang="en-US" dirty="0"/>
+              <a:rPr lang="en-US" sz="1200" dirty="0"/>
               <a:t>Emp-Details</a:t>
             </a:r>
           </a:p>
@@ -4523,7 +4575,7 @@
           <p:nvPr>
             <p:extLst>
               <p:ext uri="{D42A27DB-BD31-4B8C-83A1-F6EECF244321}">
-                <p14:modId xmlns:p14="http://schemas.microsoft.com/office/powerpoint/2010/main" val="1635288546"/>
+                <p14:modId xmlns:p14="http://schemas.microsoft.com/office/powerpoint/2010/main" val="415670617"/>
               </p:ext>
             </p:extLst>
           </p:nvPr>
@@ -4655,7 +4707,7 @@
                     <a:lstStyle/>
                     <a:p>
                       <a:r>
-                        <a:rPr lang="en-US" dirty="0"/>
+                        <a:rPr lang="en-US" sz="1200" dirty="0"/>
                         <a:t>1</a:t>
                       </a:r>
                     </a:p>
@@ -4668,7 +4720,7 @@
                     <a:lstStyle/>
                     <a:p>
                       <a:r>
-                        <a:rPr lang="en-US" dirty="0"/>
+                        <a:rPr lang="en-US" sz="1200" dirty="0"/>
                         <a:t>Sunil</a:t>
                       </a:r>
                     </a:p>
@@ -4681,7 +4733,7 @@
                     <a:lstStyle/>
                     <a:p>
                       <a:r>
-                        <a:rPr lang="en-US" dirty="0"/>
+                        <a:rPr lang="en-US" sz="1200" dirty="0"/>
                         <a:t>Dept1</a:t>
                       </a:r>
                     </a:p>
@@ -4694,7 +4746,7 @@
                     <a:lstStyle/>
                     <a:p>
                       <a:r>
-                        <a:rPr lang="en-US" dirty="0"/>
+                        <a:rPr lang="en-US" sz="1200" dirty="0"/>
                         <a:t>Proj1, Proj2</a:t>
                       </a:r>
                     </a:p>
@@ -4724,7 +4776,7 @@
                     <a:lstStyle/>
                     <a:p>
                       <a:r>
-                        <a:rPr lang="en-US" dirty="0"/>
+                        <a:rPr lang="en-US" sz="1200" dirty="0"/>
                         <a:t>2</a:t>
                       </a:r>
                     </a:p>
@@ -4737,7 +4789,7 @@
                     <a:lstStyle/>
                     <a:p>
                       <a:r>
-                        <a:rPr lang="en-US" dirty="0"/>
+                        <a:rPr lang="en-US" sz="1200" dirty="0"/>
                         <a:t>Dinesh</a:t>
                       </a:r>
                     </a:p>
@@ -4750,7 +4802,7 @@
                     <a:lstStyle/>
                     <a:p>
                       <a:r>
-                        <a:rPr lang="en-US" dirty="0"/>
+                        <a:rPr lang="en-US" sz="1200" dirty="0"/>
                         <a:t>Dept2</a:t>
                       </a:r>
                     </a:p>
@@ -4763,7 +4815,7 @@
                     <a:lstStyle/>
                     <a:p>
                       <a:r>
-                        <a:rPr lang="en-US" dirty="0"/>
+                        <a:rPr lang="en-US" sz="1200" dirty="0"/>
                         <a:t>Proj1</a:t>
                       </a:r>
                     </a:p>
@@ -4794,6 +4846,925 @@
     <p:extLst>
       <p:ext uri="{BB962C8B-B14F-4D97-AF65-F5344CB8AC3E}">
         <p14:creationId xmlns:p14="http://schemas.microsoft.com/office/powerpoint/2010/main" val="2770218917"/>
+      </p:ext>
+    </p:extLst>
+  </p:cSld>
+  <p:clrMapOvr>
+    <a:masterClrMapping/>
+  </p:clrMapOvr>
+</p:sld>
+</file>
+
+<file path=ppt/slides/slide2.xml><?xml version="1.0" encoding="utf-8"?>
+<p:sld xmlns:a="http://schemas.openxmlformats.org/drawingml/2006/main" xmlns:r="http://schemas.openxmlformats.org/officeDocument/2006/relationships" xmlns:p="http://schemas.openxmlformats.org/presentationml/2006/main">
+  <p:cSld>
+    <p:spTree>
+      <p:nvGrpSpPr>
+        <p:cNvPr id="1" name=""/>
+        <p:cNvGrpSpPr/>
+        <p:nvPr/>
+      </p:nvGrpSpPr>
+      <p:grpSpPr>
+        <a:xfrm>
+          <a:off x="0" y="0"/>
+          <a:ext cx="0" cy="0"/>
+          <a:chOff x="0" y="0"/>
+          <a:chExt cx="0" cy="0"/>
+        </a:xfrm>
+      </p:grpSpPr>
+      <p:graphicFrame>
+        <p:nvGraphicFramePr>
+          <p:cNvPr id="4" name="Table 4">
+            <a:extLst>
+              <a:ext uri="{FF2B5EF4-FFF2-40B4-BE49-F238E27FC236}">
+                <a16:creationId xmlns:a16="http://schemas.microsoft.com/office/drawing/2014/main" id="{DB84C652-8BC4-F542-8409-9EFA5F7455E5}"/>
+              </a:ext>
+            </a:extLst>
+          </p:cNvPr>
+          <p:cNvGraphicFramePr>
+            <a:graphicFrameLocks noGrp="1"/>
+          </p:cNvGraphicFramePr>
+          <p:nvPr/>
+        </p:nvGraphicFramePr>
+        <p:xfrm>
+          <a:off x="166625" y="475826"/>
+          <a:ext cx="5418666" cy="1112520"/>
+        </p:xfrm>
+        <a:graphic>
+          <a:graphicData uri="http://schemas.openxmlformats.org/drawingml/2006/table">
+            <a:tbl>
+              <a:tblPr firstRow="1" bandRow="1">
+                <a:tableStyleId>{5C22544A-7EE6-4342-B048-85BDC9FD1C3A}</a:tableStyleId>
+              </a:tblPr>
+              <a:tblGrid>
+                <a:gridCol w="1806222">
+                  <a:extLst>
+                    <a:ext uri="{9D8B030D-6E8A-4147-A177-3AD203B41FA5}">
+                      <a16:colId xmlns:a16="http://schemas.microsoft.com/office/drawing/2014/main" val="1119484023"/>
+                    </a:ext>
+                  </a:extLst>
+                </a:gridCol>
+                <a:gridCol w="1806222">
+                  <a:extLst>
+                    <a:ext uri="{9D8B030D-6E8A-4147-A177-3AD203B41FA5}">
+                      <a16:colId xmlns:a16="http://schemas.microsoft.com/office/drawing/2014/main" val="3699469830"/>
+                    </a:ext>
+                  </a:extLst>
+                </a:gridCol>
+                <a:gridCol w="1806222">
+                  <a:extLst>
+                    <a:ext uri="{9D8B030D-6E8A-4147-A177-3AD203B41FA5}">
+                      <a16:colId xmlns:a16="http://schemas.microsoft.com/office/drawing/2014/main" val="3005362010"/>
+                    </a:ext>
+                  </a:extLst>
+                </a:gridCol>
+              </a:tblGrid>
+              <a:tr h="370840">
+                <a:tc>
+                  <a:txBody>
+                    <a:bodyPr/>
+                    <a:lstStyle/>
+                    <a:p>
+                      <a:r>
+                        <a:rPr lang="en-US" dirty="0" err="1"/>
+                        <a:t>Emp_id</a:t>
+                      </a:r>
+                      <a:endParaRPr lang="en-US" dirty="0"/>
+                    </a:p>
+                  </a:txBody>
+                  <a:tcPr/>
+                </a:tc>
+                <a:tc>
+                  <a:txBody>
+                    <a:bodyPr/>
+                    <a:lstStyle/>
+                    <a:p>
+                      <a:r>
+                        <a:rPr lang="en-US" dirty="0" err="1"/>
+                        <a:t>Emp_name</a:t>
+                      </a:r>
+                      <a:endParaRPr lang="en-US" dirty="0"/>
+                    </a:p>
+                  </a:txBody>
+                  <a:tcPr/>
+                </a:tc>
+                <a:tc>
+                  <a:txBody>
+                    <a:bodyPr/>
+                    <a:lstStyle/>
+                    <a:p>
+                      <a:r>
+                        <a:rPr lang="en-US" dirty="0" err="1"/>
+                        <a:t>Emp_number</a:t>
+                      </a:r>
+                      <a:endParaRPr lang="en-US" dirty="0"/>
+                    </a:p>
+                  </a:txBody>
+                  <a:tcPr/>
+                </a:tc>
+                <a:extLst>
+                  <a:ext uri="{0D108BD9-81ED-4DB2-BD59-A6C34878D82A}">
+                    <a16:rowId xmlns:a16="http://schemas.microsoft.com/office/drawing/2014/main" val="2217693951"/>
+                  </a:ext>
+                </a:extLst>
+              </a:tr>
+              <a:tr h="370840">
+                <a:tc>
+                  <a:txBody>
+                    <a:bodyPr/>
+                    <a:lstStyle/>
+                    <a:p>
+                      <a:r>
+                        <a:rPr lang="en-US" sz="1200" dirty="0"/>
+                        <a:t>1</a:t>
+                      </a:r>
+                    </a:p>
+                  </a:txBody>
+                  <a:tcPr/>
+                </a:tc>
+                <a:tc>
+                  <a:txBody>
+                    <a:bodyPr/>
+                    <a:lstStyle/>
+                    <a:p>
+                      <a:r>
+                        <a:rPr lang="en-US" sz="1200" dirty="0"/>
+                        <a:t>Sunil</a:t>
+                      </a:r>
+                    </a:p>
+                  </a:txBody>
+                  <a:tcPr/>
+                </a:tc>
+                <a:tc>
+                  <a:txBody>
+                    <a:bodyPr/>
+                    <a:lstStyle/>
+                    <a:p>
+                      <a:r>
+                        <a:rPr lang="en-US" sz="1200" dirty="0"/>
+                        <a:t>1001</a:t>
+                      </a:r>
+                    </a:p>
+                  </a:txBody>
+                  <a:tcPr/>
+                </a:tc>
+                <a:extLst>
+                  <a:ext uri="{0D108BD9-81ED-4DB2-BD59-A6C34878D82A}">
+                    <a16:rowId xmlns:a16="http://schemas.microsoft.com/office/drawing/2014/main" val="1721405613"/>
+                  </a:ext>
+                </a:extLst>
+              </a:tr>
+              <a:tr h="370840">
+                <a:tc>
+                  <a:txBody>
+                    <a:bodyPr/>
+                    <a:lstStyle/>
+                    <a:p>
+                      <a:r>
+                        <a:rPr lang="en-US" sz="1200" dirty="0"/>
+                        <a:t>2</a:t>
+                      </a:r>
+                    </a:p>
+                  </a:txBody>
+                  <a:tcPr/>
+                </a:tc>
+                <a:tc>
+                  <a:txBody>
+                    <a:bodyPr/>
+                    <a:lstStyle/>
+                    <a:p>
+                      <a:r>
+                        <a:rPr lang="en-US" sz="1200" dirty="0"/>
+                        <a:t>Dinesh</a:t>
+                      </a:r>
+                    </a:p>
+                  </a:txBody>
+                  <a:tcPr/>
+                </a:tc>
+                <a:tc>
+                  <a:txBody>
+                    <a:bodyPr/>
+                    <a:lstStyle/>
+                    <a:p>
+                      <a:r>
+                        <a:rPr lang="en-US" sz="1200" dirty="0"/>
+                        <a:t>1002</a:t>
+                      </a:r>
+                    </a:p>
+                  </a:txBody>
+                  <a:tcPr/>
+                </a:tc>
+                <a:extLst>
+                  <a:ext uri="{0D108BD9-81ED-4DB2-BD59-A6C34878D82A}">
+                    <a16:rowId xmlns:a16="http://schemas.microsoft.com/office/drawing/2014/main" val="3413670960"/>
+                  </a:ext>
+                </a:extLst>
+              </a:tr>
+            </a:tbl>
+          </a:graphicData>
+        </a:graphic>
+      </p:graphicFrame>
+      <p:graphicFrame>
+        <p:nvGraphicFramePr>
+          <p:cNvPr id="6" name="Table 5">
+            <a:extLst>
+              <a:ext uri="{FF2B5EF4-FFF2-40B4-BE49-F238E27FC236}">
+                <a16:creationId xmlns:a16="http://schemas.microsoft.com/office/drawing/2014/main" id="{C2DA148D-0B3E-B145-9CD9-F828B6BCDF29}"/>
+              </a:ext>
+            </a:extLst>
+          </p:cNvPr>
+          <p:cNvGraphicFramePr>
+            <a:graphicFrameLocks noGrp="1"/>
+          </p:cNvGraphicFramePr>
+          <p:nvPr>
+            <p:extLst>
+              <p:ext uri="{D42A27DB-BD31-4B8C-83A1-F6EECF244321}">
+                <p14:modId xmlns:p14="http://schemas.microsoft.com/office/powerpoint/2010/main" val="3240407369"/>
+              </p:ext>
+            </p:extLst>
+          </p:nvPr>
+        </p:nvGraphicFramePr>
+        <p:xfrm>
+          <a:off x="6506464" y="475826"/>
+          <a:ext cx="5418666" cy="1112520"/>
+        </p:xfrm>
+        <a:graphic>
+          <a:graphicData uri="http://schemas.openxmlformats.org/drawingml/2006/table">
+            <a:tbl>
+              <a:tblPr firstRow="1" bandRow="1">
+                <a:tableStyleId>{5C22544A-7EE6-4342-B048-85BDC9FD1C3A}</a:tableStyleId>
+              </a:tblPr>
+              <a:tblGrid>
+                <a:gridCol w="2709333">
+                  <a:extLst>
+                    <a:ext uri="{9D8B030D-6E8A-4147-A177-3AD203B41FA5}">
+                      <a16:colId xmlns:a16="http://schemas.microsoft.com/office/drawing/2014/main" val="1119484023"/>
+                    </a:ext>
+                  </a:extLst>
+                </a:gridCol>
+                <a:gridCol w="2709333">
+                  <a:extLst>
+                    <a:ext uri="{9D8B030D-6E8A-4147-A177-3AD203B41FA5}">
+                      <a16:colId xmlns:a16="http://schemas.microsoft.com/office/drawing/2014/main" val="3699469830"/>
+                    </a:ext>
+                  </a:extLst>
+                </a:gridCol>
+              </a:tblGrid>
+              <a:tr h="370840">
+                <a:tc>
+                  <a:txBody>
+                    <a:bodyPr/>
+                    <a:lstStyle/>
+                    <a:p>
+                      <a:r>
+                        <a:rPr lang="en-US" dirty="0" err="1"/>
+                        <a:t>Dept_id</a:t>
+                      </a:r>
+                      <a:endParaRPr lang="en-US" dirty="0"/>
+                    </a:p>
+                  </a:txBody>
+                  <a:tcPr/>
+                </a:tc>
+                <a:tc>
+                  <a:txBody>
+                    <a:bodyPr/>
+                    <a:lstStyle/>
+                    <a:p>
+                      <a:r>
+                        <a:rPr lang="en-US" dirty="0" err="1"/>
+                        <a:t>Dept_name</a:t>
+                      </a:r>
+                      <a:endParaRPr lang="en-US" dirty="0"/>
+                    </a:p>
+                  </a:txBody>
+                  <a:tcPr/>
+                </a:tc>
+                <a:extLst>
+                  <a:ext uri="{0D108BD9-81ED-4DB2-BD59-A6C34878D82A}">
+                    <a16:rowId xmlns:a16="http://schemas.microsoft.com/office/drawing/2014/main" val="2217693951"/>
+                  </a:ext>
+                </a:extLst>
+              </a:tr>
+              <a:tr h="370840">
+                <a:tc>
+                  <a:txBody>
+                    <a:bodyPr/>
+                    <a:lstStyle/>
+                    <a:p>
+                      <a:r>
+                        <a:rPr lang="en-US" sz="1200" dirty="0"/>
+                        <a:t>1</a:t>
+                      </a:r>
+                    </a:p>
+                  </a:txBody>
+                  <a:tcPr/>
+                </a:tc>
+                <a:tc>
+                  <a:txBody>
+                    <a:bodyPr/>
+                    <a:lstStyle/>
+                    <a:p>
+                      <a:r>
+                        <a:rPr lang="en-US" sz="1200" dirty="0"/>
+                        <a:t>Dept1</a:t>
+                      </a:r>
+                    </a:p>
+                  </a:txBody>
+                  <a:tcPr/>
+                </a:tc>
+                <a:extLst>
+                  <a:ext uri="{0D108BD9-81ED-4DB2-BD59-A6C34878D82A}">
+                    <a16:rowId xmlns:a16="http://schemas.microsoft.com/office/drawing/2014/main" val="1721405613"/>
+                  </a:ext>
+                </a:extLst>
+              </a:tr>
+              <a:tr h="370840">
+                <a:tc>
+                  <a:txBody>
+                    <a:bodyPr/>
+                    <a:lstStyle/>
+                    <a:p>
+                      <a:r>
+                        <a:rPr lang="en-US" sz="1200" dirty="0"/>
+                        <a:t>2</a:t>
+                      </a:r>
+                    </a:p>
+                  </a:txBody>
+                  <a:tcPr/>
+                </a:tc>
+                <a:tc>
+                  <a:txBody>
+                    <a:bodyPr/>
+                    <a:lstStyle/>
+                    <a:p>
+                      <a:r>
+                        <a:rPr lang="en-US" sz="1200" dirty="0"/>
+                        <a:t>Dept2</a:t>
+                      </a:r>
+                    </a:p>
+                  </a:txBody>
+                  <a:tcPr/>
+                </a:tc>
+                <a:extLst>
+                  <a:ext uri="{0D108BD9-81ED-4DB2-BD59-A6C34878D82A}">
+                    <a16:rowId xmlns:a16="http://schemas.microsoft.com/office/drawing/2014/main" val="3413670960"/>
+                  </a:ext>
+                </a:extLst>
+              </a:tr>
+            </a:tbl>
+          </a:graphicData>
+        </a:graphic>
+      </p:graphicFrame>
+      <p:graphicFrame>
+        <p:nvGraphicFramePr>
+          <p:cNvPr id="19" name="Table 19">
+            <a:extLst>
+              <a:ext uri="{FF2B5EF4-FFF2-40B4-BE49-F238E27FC236}">
+                <a16:creationId xmlns:a16="http://schemas.microsoft.com/office/drawing/2014/main" id="{7FBD8C1F-5F06-DF4D-A50C-FB564FA230FC}"/>
+              </a:ext>
+            </a:extLst>
+          </p:cNvPr>
+          <p:cNvGraphicFramePr>
+            <a:graphicFrameLocks noGrp="1"/>
+          </p:cNvGraphicFramePr>
+          <p:nvPr/>
+        </p:nvGraphicFramePr>
+        <p:xfrm>
+          <a:off x="3525623" y="5649212"/>
+          <a:ext cx="8128000" cy="1112520"/>
+        </p:xfrm>
+        <a:graphic>
+          <a:graphicData uri="http://schemas.openxmlformats.org/drawingml/2006/table">
+            <a:tbl>
+              <a:tblPr firstRow="1" bandRow="1">
+                <a:tableStyleId>{5C22544A-7EE6-4342-B048-85BDC9FD1C3A}</a:tableStyleId>
+              </a:tblPr>
+              <a:tblGrid>
+                <a:gridCol w="1625600">
+                  <a:extLst>
+                    <a:ext uri="{9D8B030D-6E8A-4147-A177-3AD203B41FA5}">
+                      <a16:colId xmlns:a16="http://schemas.microsoft.com/office/drawing/2014/main" val="1328275835"/>
+                    </a:ext>
+                  </a:extLst>
+                </a:gridCol>
+                <a:gridCol w="1625600">
+                  <a:extLst>
+                    <a:ext uri="{9D8B030D-6E8A-4147-A177-3AD203B41FA5}">
+                      <a16:colId xmlns:a16="http://schemas.microsoft.com/office/drawing/2014/main" val="1120593010"/>
+                    </a:ext>
+                  </a:extLst>
+                </a:gridCol>
+                <a:gridCol w="1625600">
+                  <a:extLst>
+                    <a:ext uri="{9D8B030D-6E8A-4147-A177-3AD203B41FA5}">
+                      <a16:colId xmlns:a16="http://schemas.microsoft.com/office/drawing/2014/main" val="3654231301"/>
+                    </a:ext>
+                  </a:extLst>
+                </a:gridCol>
+                <a:gridCol w="1625600">
+                  <a:extLst>
+                    <a:ext uri="{9D8B030D-6E8A-4147-A177-3AD203B41FA5}">
+                      <a16:colId xmlns:a16="http://schemas.microsoft.com/office/drawing/2014/main" val="4265248960"/>
+                    </a:ext>
+                  </a:extLst>
+                </a:gridCol>
+                <a:gridCol w="1625600">
+                  <a:extLst>
+                    <a:ext uri="{9D8B030D-6E8A-4147-A177-3AD203B41FA5}">
+                      <a16:colId xmlns:a16="http://schemas.microsoft.com/office/drawing/2014/main" val="1354165343"/>
+                    </a:ext>
+                  </a:extLst>
+                </a:gridCol>
+              </a:tblGrid>
+              <a:tr h="370840">
+                <a:tc>
+                  <a:txBody>
+                    <a:bodyPr/>
+                    <a:lstStyle/>
+                    <a:p>
+                      <a:r>
+                        <a:rPr lang="en-US" dirty="0"/>
+                        <a:t>Emp-id</a:t>
+                      </a:r>
+                    </a:p>
+                  </a:txBody>
+                  <a:tcPr/>
+                </a:tc>
+                <a:tc>
+                  <a:txBody>
+                    <a:bodyPr/>
+                    <a:lstStyle/>
+                    <a:p>
+                      <a:r>
+                        <a:rPr lang="en-US" dirty="0"/>
+                        <a:t>Emp-name</a:t>
+                      </a:r>
+                    </a:p>
+                  </a:txBody>
+                  <a:tcPr/>
+                </a:tc>
+                <a:tc>
+                  <a:txBody>
+                    <a:bodyPr/>
+                    <a:lstStyle/>
+                    <a:p>
+                      <a:r>
+                        <a:rPr lang="en-US" dirty="0"/>
+                        <a:t>Dept-names</a:t>
+                      </a:r>
+                    </a:p>
+                  </a:txBody>
+                  <a:tcPr/>
+                </a:tc>
+                <a:tc>
+                  <a:txBody>
+                    <a:bodyPr/>
+                    <a:lstStyle/>
+                    <a:p>
+                      <a:r>
+                        <a:rPr lang="en-US" dirty="0" err="1"/>
+                        <a:t>Proj</a:t>
+                      </a:r>
+                      <a:r>
+                        <a:rPr lang="en-US" dirty="0"/>
+                        <a:t>-name</a:t>
+                      </a:r>
+                    </a:p>
+                  </a:txBody>
+                  <a:tcPr/>
+                </a:tc>
+                <a:tc>
+                  <a:txBody>
+                    <a:bodyPr/>
+                    <a:lstStyle/>
+                    <a:p>
+                      <a:endParaRPr lang="en-US" dirty="0"/>
+                    </a:p>
+                  </a:txBody>
+                  <a:tcPr/>
+                </a:tc>
+                <a:extLst>
+                  <a:ext uri="{0D108BD9-81ED-4DB2-BD59-A6C34878D82A}">
+                    <a16:rowId xmlns:a16="http://schemas.microsoft.com/office/drawing/2014/main" val="3430376705"/>
+                  </a:ext>
+                </a:extLst>
+              </a:tr>
+              <a:tr h="370840">
+                <a:tc>
+                  <a:txBody>
+                    <a:bodyPr/>
+                    <a:lstStyle/>
+                    <a:p>
+                      <a:r>
+                        <a:rPr lang="en-US" sz="1200" dirty="0"/>
+                        <a:t>1</a:t>
+                      </a:r>
+                    </a:p>
+                  </a:txBody>
+                  <a:tcPr/>
+                </a:tc>
+                <a:tc>
+                  <a:txBody>
+                    <a:bodyPr/>
+                    <a:lstStyle/>
+                    <a:p>
+                      <a:r>
+                        <a:rPr lang="en-US" sz="1200" dirty="0"/>
+                        <a:t>Sunil</a:t>
+                      </a:r>
+                    </a:p>
+                  </a:txBody>
+                  <a:tcPr/>
+                </a:tc>
+                <a:tc>
+                  <a:txBody>
+                    <a:bodyPr/>
+                    <a:lstStyle/>
+                    <a:p>
+                      <a:r>
+                        <a:rPr lang="en-US" sz="1200" dirty="0"/>
+                        <a:t>Dept1</a:t>
+                      </a:r>
+                    </a:p>
+                  </a:txBody>
+                  <a:tcPr/>
+                </a:tc>
+                <a:tc>
+                  <a:txBody>
+                    <a:bodyPr/>
+                    <a:lstStyle/>
+                    <a:p>
+                      <a:r>
+                        <a:rPr lang="en-US" sz="1200" dirty="0"/>
+                        <a:t>Proj1, Proj2</a:t>
+                      </a:r>
+                    </a:p>
+                  </a:txBody>
+                  <a:tcPr/>
+                </a:tc>
+                <a:tc>
+                  <a:txBody>
+                    <a:bodyPr/>
+                    <a:lstStyle/>
+                    <a:p>
+                      <a:endParaRPr lang="en-US" dirty="0"/>
+                    </a:p>
+                  </a:txBody>
+                  <a:tcPr/>
+                </a:tc>
+                <a:extLst>
+                  <a:ext uri="{0D108BD9-81ED-4DB2-BD59-A6C34878D82A}">
+                    <a16:rowId xmlns:a16="http://schemas.microsoft.com/office/drawing/2014/main" val="569156895"/>
+                  </a:ext>
+                </a:extLst>
+              </a:tr>
+              <a:tr h="370840">
+                <a:tc>
+                  <a:txBody>
+                    <a:bodyPr/>
+                    <a:lstStyle/>
+                    <a:p>
+                      <a:r>
+                        <a:rPr lang="en-US" sz="1200" dirty="0"/>
+                        <a:t>2</a:t>
+                      </a:r>
+                    </a:p>
+                  </a:txBody>
+                  <a:tcPr/>
+                </a:tc>
+                <a:tc>
+                  <a:txBody>
+                    <a:bodyPr/>
+                    <a:lstStyle/>
+                    <a:p>
+                      <a:r>
+                        <a:rPr lang="en-US" sz="1200" dirty="0"/>
+                        <a:t>Dinesh</a:t>
+                      </a:r>
+                    </a:p>
+                  </a:txBody>
+                  <a:tcPr/>
+                </a:tc>
+                <a:tc>
+                  <a:txBody>
+                    <a:bodyPr/>
+                    <a:lstStyle/>
+                    <a:p>
+                      <a:r>
+                        <a:rPr lang="en-US" sz="1200" dirty="0"/>
+                        <a:t>Dept2</a:t>
+                      </a:r>
+                    </a:p>
+                  </a:txBody>
+                  <a:tcPr/>
+                </a:tc>
+                <a:tc>
+                  <a:txBody>
+                    <a:bodyPr/>
+                    <a:lstStyle/>
+                    <a:p>
+                      <a:r>
+                        <a:rPr lang="en-US" sz="1200" dirty="0"/>
+                        <a:t>Proj1</a:t>
+                      </a:r>
+                    </a:p>
+                  </a:txBody>
+                  <a:tcPr/>
+                </a:tc>
+                <a:tc>
+                  <a:txBody>
+                    <a:bodyPr/>
+                    <a:lstStyle/>
+                    <a:p>
+                      <a:endParaRPr lang="en-US" dirty="0"/>
+                    </a:p>
+                  </a:txBody>
+                  <a:tcPr/>
+                </a:tc>
+                <a:extLst>
+                  <a:ext uri="{0D108BD9-81ED-4DB2-BD59-A6C34878D82A}">
+                    <a16:rowId xmlns:a16="http://schemas.microsoft.com/office/drawing/2014/main" val="4279673105"/>
+                  </a:ext>
+                </a:extLst>
+              </a:tr>
+            </a:tbl>
+          </a:graphicData>
+        </a:graphic>
+      </p:graphicFrame>
+      <p:graphicFrame>
+        <p:nvGraphicFramePr>
+          <p:cNvPr id="2" name="Table 1">
+            <a:extLst>
+              <a:ext uri="{FF2B5EF4-FFF2-40B4-BE49-F238E27FC236}">
+                <a16:creationId xmlns:a16="http://schemas.microsoft.com/office/drawing/2014/main" id="{7BD4F184-C21A-AB4C-8A6F-9C5B51FB0B24}"/>
+              </a:ext>
+            </a:extLst>
+          </p:cNvPr>
+          <p:cNvGraphicFramePr>
+            <a:graphicFrameLocks noGrp="1"/>
+          </p:cNvGraphicFramePr>
+          <p:nvPr>
+            <p:extLst>
+              <p:ext uri="{D42A27DB-BD31-4B8C-83A1-F6EECF244321}">
+                <p14:modId xmlns:p14="http://schemas.microsoft.com/office/powerpoint/2010/main" val="2063010639"/>
+              </p:ext>
+            </p:extLst>
+          </p:nvPr>
+        </p:nvGraphicFramePr>
+        <p:xfrm>
+          <a:off x="1087798" y="2506259"/>
+          <a:ext cx="5418666" cy="741680"/>
+        </p:xfrm>
+        <a:graphic>
+          <a:graphicData uri="http://schemas.openxmlformats.org/drawingml/2006/table">
+            <a:tbl>
+              <a:tblPr firstRow="1" bandRow="1">
+                <a:tableStyleId>{5C22544A-7EE6-4342-B048-85BDC9FD1C3A}</a:tableStyleId>
+              </a:tblPr>
+              <a:tblGrid>
+                <a:gridCol w="1806222">
+                  <a:extLst>
+                    <a:ext uri="{9D8B030D-6E8A-4147-A177-3AD203B41FA5}">
+                      <a16:colId xmlns:a16="http://schemas.microsoft.com/office/drawing/2014/main" val="1657503967"/>
+                    </a:ext>
+                  </a:extLst>
+                </a:gridCol>
+                <a:gridCol w="1806222">
+                  <a:extLst>
+                    <a:ext uri="{9D8B030D-6E8A-4147-A177-3AD203B41FA5}">
+                      <a16:colId xmlns:a16="http://schemas.microsoft.com/office/drawing/2014/main" val="123259273"/>
+                    </a:ext>
+                  </a:extLst>
+                </a:gridCol>
+                <a:gridCol w="1806222">
+                  <a:extLst>
+                    <a:ext uri="{9D8B030D-6E8A-4147-A177-3AD203B41FA5}">
+                      <a16:colId xmlns:a16="http://schemas.microsoft.com/office/drawing/2014/main" val="159753068"/>
+                    </a:ext>
+                  </a:extLst>
+                </a:gridCol>
+              </a:tblGrid>
+              <a:tr h="370840">
+                <a:tc>
+                  <a:txBody>
+                    <a:bodyPr/>
+                    <a:lstStyle/>
+                    <a:p>
+                      <a:r>
+                        <a:rPr lang="en-US" dirty="0" err="1"/>
+                        <a:t>Emp_id</a:t>
+                      </a:r>
+                      <a:endParaRPr lang="en-US" dirty="0"/>
+                    </a:p>
+                  </a:txBody>
+                  <a:tcPr/>
+                </a:tc>
+                <a:tc>
+                  <a:txBody>
+                    <a:bodyPr/>
+                    <a:lstStyle/>
+                    <a:p>
+                      <a:r>
+                        <a:rPr lang="en-US" dirty="0" err="1"/>
+                        <a:t>Emp_name</a:t>
+                      </a:r>
+                      <a:endParaRPr lang="en-US" dirty="0"/>
+                    </a:p>
+                  </a:txBody>
+                  <a:tcPr/>
+                </a:tc>
+                <a:tc>
+                  <a:txBody>
+                    <a:bodyPr/>
+                    <a:lstStyle/>
+                    <a:p>
+                      <a:r>
+                        <a:rPr lang="en-US" dirty="0" err="1"/>
+                        <a:t>Emp_number</a:t>
+                      </a:r>
+                      <a:endParaRPr lang="en-US" dirty="0"/>
+                    </a:p>
+                  </a:txBody>
+                  <a:tcPr/>
+                </a:tc>
+                <a:extLst>
+                  <a:ext uri="{0D108BD9-81ED-4DB2-BD59-A6C34878D82A}">
+                    <a16:rowId xmlns:a16="http://schemas.microsoft.com/office/drawing/2014/main" val="2951589605"/>
+                  </a:ext>
+                </a:extLst>
+              </a:tr>
+              <a:tr h="370840">
+                <a:tc>
+                  <a:txBody>
+                    <a:bodyPr/>
+                    <a:lstStyle/>
+                    <a:p>
+                      <a:r>
+                        <a:rPr lang="en-US" sz="1200" dirty="0"/>
+                        <a:t>1</a:t>
+                      </a:r>
+                    </a:p>
+                  </a:txBody>
+                  <a:tcPr/>
+                </a:tc>
+                <a:tc>
+                  <a:txBody>
+                    <a:bodyPr/>
+                    <a:lstStyle/>
+                    <a:p>
+                      <a:r>
+                        <a:rPr lang="en-US" sz="1200" dirty="0"/>
+                        <a:t>Sunil</a:t>
+                      </a:r>
+                    </a:p>
+                  </a:txBody>
+                  <a:tcPr/>
+                </a:tc>
+                <a:tc>
+                  <a:txBody>
+                    <a:bodyPr/>
+                    <a:lstStyle/>
+                    <a:p>
+                      <a:r>
+                        <a:rPr lang="en-US" sz="1200" dirty="0"/>
+                        <a:t>1001</a:t>
+                      </a:r>
+                    </a:p>
+                  </a:txBody>
+                  <a:tcPr/>
+                </a:tc>
+                <a:extLst>
+                  <a:ext uri="{0D108BD9-81ED-4DB2-BD59-A6C34878D82A}">
+                    <a16:rowId xmlns:a16="http://schemas.microsoft.com/office/drawing/2014/main" val="2336270208"/>
+                  </a:ext>
+                </a:extLst>
+              </a:tr>
+            </a:tbl>
+          </a:graphicData>
+        </a:graphic>
+      </p:graphicFrame>
+      <p:graphicFrame>
+        <p:nvGraphicFramePr>
+          <p:cNvPr id="3" name="Table 2">
+            <a:extLst>
+              <a:ext uri="{FF2B5EF4-FFF2-40B4-BE49-F238E27FC236}">
+                <a16:creationId xmlns:a16="http://schemas.microsoft.com/office/drawing/2014/main" id="{CED9651B-FAD0-D646-889E-5D9E98BACEB5}"/>
+              </a:ext>
+            </a:extLst>
+          </p:cNvPr>
+          <p:cNvGraphicFramePr>
+            <a:graphicFrameLocks noGrp="1"/>
+          </p:cNvGraphicFramePr>
+          <p:nvPr>
+            <p:extLst>
+              <p:ext uri="{D42A27DB-BD31-4B8C-83A1-F6EECF244321}">
+                <p14:modId xmlns:p14="http://schemas.microsoft.com/office/powerpoint/2010/main" val="3276832159"/>
+              </p:ext>
+            </p:extLst>
+          </p:nvPr>
+        </p:nvGraphicFramePr>
+        <p:xfrm>
+          <a:off x="6506464" y="2506259"/>
+          <a:ext cx="5418666" cy="741680"/>
+        </p:xfrm>
+        <a:graphic>
+          <a:graphicData uri="http://schemas.openxmlformats.org/drawingml/2006/table">
+            <a:tbl>
+              <a:tblPr firstRow="1" bandRow="1">
+                <a:tableStyleId>{5C22544A-7EE6-4342-B048-85BDC9FD1C3A}</a:tableStyleId>
+              </a:tblPr>
+              <a:tblGrid>
+                <a:gridCol w="2709333">
+                  <a:extLst>
+                    <a:ext uri="{9D8B030D-6E8A-4147-A177-3AD203B41FA5}">
+                      <a16:colId xmlns:a16="http://schemas.microsoft.com/office/drawing/2014/main" val="3781572150"/>
+                    </a:ext>
+                  </a:extLst>
+                </a:gridCol>
+                <a:gridCol w="2709333">
+                  <a:extLst>
+                    <a:ext uri="{9D8B030D-6E8A-4147-A177-3AD203B41FA5}">
+                      <a16:colId xmlns:a16="http://schemas.microsoft.com/office/drawing/2014/main" val="535832268"/>
+                    </a:ext>
+                  </a:extLst>
+                </a:gridCol>
+              </a:tblGrid>
+              <a:tr h="370840">
+                <a:tc>
+                  <a:txBody>
+                    <a:bodyPr/>
+                    <a:lstStyle/>
+                    <a:p>
+                      <a:r>
+                        <a:rPr lang="en-US" dirty="0" err="1"/>
+                        <a:t>Dept_id</a:t>
+                      </a:r>
+                      <a:endParaRPr lang="en-US" dirty="0"/>
+                    </a:p>
+                  </a:txBody>
+                  <a:tcPr/>
+                </a:tc>
+                <a:tc>
+                  <a:txBody>
+                    <a:bodyPr/>
+                    <a:lstStyle/>
+                    <a:p>
+                      <a:r>
+                        <a:rPr lang="en-US" dirty="0" err="1"/>
+                        <a:t>Dept_name</a:t>
+                      </a:r>
+                      <a:endParaRPr lang="en-US" dirty="0"/>
+                    </a:p>
+                  </a:txBody>
+                  <a:tcPr/>
+                </a:tc>
+                <a:extLst>
+                  <a:ext uri="{0D108BD9-81ED-4DB2-BD59-A6C34878D82A}">
+                    <a16:rowId xmlns:a16="http://schemas.microsoft.com/office/drawing/2014/main" val="3384117319"/>
+                  </a:ext>
+                </a:extLst>
+              </a:tr>
+              <a:tr h="370840">
+                <a:tc>
+                  <a:txBody>
+                    <a:bodyPr/>
+                    <a:lstStyle/>
+                    <a:p>
+                      <a:r>
+                        <a:rPr lang="en-US" sz="1200" dirty="0"/>
+                        <a:t>1</a:t>
+                      </a:r>
+                    </a:p>
+                  </a:txBody>
+                  <a:tcPr/>
+                </a:tc>
+                <a:tc>
+                  <a:txBody>
+                    <a:bodyPr/>
+                    <a:lstStyle/>
+                    <a:p>
+                      <a:r>
+                        <a:rPr lang="en-US" sz="1200" dirty="0"/>
+                        <a:t>Dept1</a:t>
+                      </a:r>
+                    </a:p>
+                  </a:txBody>
+                  <a:tcPr/>
+                </a:tc>
+                <a:extLst>
+                  <a:ext uri="{0D108BD9-81ED-4DB2-BD59-A6C34878D82A}">
+                    <a16:rowId xmlns:a16="http://schemas.microsoft.com/office/drawing/2014/main" val="1161935853"/>
+                  </a:ext>
+                </a:extLst>
+              </a:tr>
+            </a:tbl>
+          </a:graphicData>
+        </a:graphic>
+      </p:graphicFrame>
+    </p:spTree>
+    <p:extLst>
+      <p:ext uri="{BB962C8B-B14F-4D97-AF65-F5344CB8AC3E}">
+        <p14:creationId xmlns:p14="http://schemas.microsoft.com/office/powerpoint/2010/main" val="1683775813"/>
       </p:ext>
     </p:extLst>
   </p:cSld>
